--- a/2021/doc/進捗0928.pptx
+++ b/2021/doc/進捗0928.pptx
@@ -3798,35 +3798,6 @@
           </a:p>
         </p:txBody>
       </p:sp>
-      <p:pic>
-        <p:nvPicPr>
-          <p:cNvPr id="4" name="図 3" descr="図形, 矢印&#10;&#10;自動的に生成された説明">
-            <a:extLst>
-              <a:ext uri="{FF2B5EF4-FFF2-40B4-BE49-F238E27FC236}">
-                <a16:creationId xmlns:a16="http://schemas.microsoft.com/office/drawing/2014/main" id="{827257D3-8D1E-A246-A20B-8350ED9E7FB7}"/>
-              </a:ext>
-            </a:extLst>
-          </p:cNvPr>
-          <p:cNvPicPr>
-            <a:picLocks noChangeAspect="1"/>
-          </p:cNvPicPr>
-          <p:nvPr/>
-        </p:nvPicPr>
-        <p:blipFill rotWithShape="1">
-          <a:blip r:embed="rId2"/>
-          <a:srcRect t="50000"/>
-          <a:stretch/>
-        </p:blipFill>
-        <p:spPr>
-          <a:xfrm>
-            <a:off x="2750431" y="1862091"/>
-            <a:ext cx="6244886" cy="4995909"/>
-          </a:xfrm>
-          <a:prstGeom prst="rect">
-            <a:avLst/>
-          </a:prstGeom>
-        </p:spPr>
-      </p:pic>
       <p:sp>
         <p:nvSpPr>
           <p:cNvPr id="6" name="テキスト ボックス 5">
@@ -3907,7 +3878,12 @@
             <p:ph type="title"/>
           </p:nvPr>
         </p:nvSpPr>
-        <p:spPr/>
+        <p:spPr>
+          <a:xfrm>
+            <a:off x="838200" y="208703"/>
+            <a:ext cx="10515600" cy="1325563"/>
+          </a:xfrm>
+        </p:spPr>
         <p:txBody>
           <a:bodyPr>
             <a:normAutofit/>
@@ -3950,7 +3926,7 @@
         </p:blipFill>
         <p:spPr>
           <a:xfrm>
-            <a:off x="1248936" y="1371601"/>
+            <a:off x="962717" y="1326996"/>
             <a:ext cx="8831876" cy="5322301"/>
           </a:xfrm>
           <a:prstGeom prst="rect">
@@ -3972,7 +3948,7 @@
         </p:nvSpPr>
         <p:spPr>
           <a:xfrm>
-            <a:off x="1248936" y="1371600"/>
+            <a:off x="962717" y="1326995"/>
             <a:ext cx="1774903" cy="1325563"/>
           </a:xfrm>
           <a:prstGeom prst="rect">
@@ -3988,6 +3964,65 @@
           </a:bodyPr>
           <a:lstStyle/>
           <a:p>
+            <a:endParaRPr kumimoji="1" lang="ja-JP" altLang="en-US"/>
+          </a:p>
+        </p:txBody>
+      </p:sp>
+      <p:sp>
+        <p:nvSpPr>
+          <p:cNvPr id="6" name="テキスト ボックス 5">
+            <a:extLst>
+              <a:ext uri="{FF2B5EF4-FFF2-40B4-BE49-F238E27FC236}">
+                <a16:creationId xmlns:a16="http://schemas.microsoft.com/office/drawing/2014/main" id="{EA7FC7A1-974A-0D42-A5A4-905E1C85D8A8}"/>
+              </a:ext>
+            </a:extLst>
+          </p:cNvPr>
+          <p:cNvSpPr txBox="1"/>
+          <p:nvPr/>
+        </p:nvSpPr>
+        <p:spPr>
+          <a:xfrm>
+            <a:off x="9929842" y="1461417"/>
+            <a:ext cx="2262158" cy="646331"/>
+          </a:xfrm>
+          <a:prstGeom prst="rect">
+            <a:avLst/>
+          </a:prstGeom>
+          <a:noFill/>
+        </p:spPr>
+        <p:txBody>
+          <a:bodyPr wrap="none" rtlCol="0">
+            <a:spAutoFit/>
+          </a:bodyPr>
+          <a:lstStyle/>
+          <a:p>
+            <a:r>
+              <a:rPr kumimoji="1" lang="ja-JP" altLang="en-US">
+                <a:solidFill>
+                  <a:srgbClr val="00B050"/>
+                </a:solidFill>
+              </a:rPr>
+              <a:t>緑</a:t>
+            </a:r>
+            <a:r>
+              <a:rPr kumimoji="1" lang="ja-JP" altLang="en-US"/>
+              <a:t>：クリプトサイト</a:t>
+            </a:r>
+            <a:endParaRPr kumimoji="1" lang="en-US" altLang="ja-JP" dirty="0"/>
+          </a:p>
+          <a:p>
+            <a:r>
+              <a:rPr lang="ja-JP" altLang="en-US">
+                <a:solidFill>
+                  <a:srgbClr val="FF0000"/>
+                </a:solidFill>
+              </a:rPr>
+              <a:t>赤</a:t>
+            </a:r>
+            <a:r>
+              <a:rPr lang="ja-JP" altLang="en-US"/>
+              <a:t>：凹み</a:t>
+            </a:r>
             <a:endParaRPr kumimoji="1" lang="ja-JP" altLang="en-US"/>
           </a:p>
         </p:txBody>
@@ -4040,10 +4075,24 @@
         </p:nvSpPr>
         <p:spPr/>
         <p:txBody>
-          <a:bodyPr/>
-          <a:lstStyle/>
-          <a:p>
-            <a:endParaRPr kumimoji="1" lang="ja-JP" altLang="en-US"/>
+          <a:bodyPr>
+            <a:normAutofit/>
+          </a:bodyPr>
+          <a:lstStyle/>
+          <a:p>
+            <a:r>
+              <a:rPr lang="ja-JP" altLang="en-US" sz="3600"/>
+              <a:t>アルファ球近傍</a:t>
+            </a:r>
+            <a:r>
+              <a:rPr lang="en-US" altLang="ja-JP" sz="3600" dirty="0"/>
+              <a:t>(5Å)</a:t>
+            </a:r>
+            <a:r>
+              <a:rPr lang="ja-JP" altLang="en-US" sz="3600"/>
+              <a:t>の残基のヒストグラムの分布が異なった残基</a:t>
+            </a:r>
+            <a:endParaRPr kumimoji="1" lang="ja-JP" altLang="en-US" sz="3600"/>
           </a:p>
         </p:txBody>
       </p:sp>
@@ -4061,8 +4110,8 @@
         </p:nvSpPr>
         <p:spPr>
           <a:xfrm>
-            <a:off x="1064381" y="5988203"/>
-            <a:ext cx="4054315" cy="369332"/>
+            <a:off x="523208" y="5988203"/>
+            <a:ext cx="5131533" cy="369332"/>
           </a:xfrm>
           <a:prstGeom prst="rect">
             <a:avLst/>
@@ -4092,7 +4141,23 @@
             </a:r>
             <a:r>
               <a:rPr lang="ja-JP" altLang="en-US"/>
-              <a:t> name: GLY, p value: 0.00038</a:t>
+              <a:t> name: GLY</a:t>
+            </a:r>
+            <a:r>
+              <a:rPr lang="en-US" altLang="ja-JP" dirty="0"/>
+              <a:t>(</a:t>
+            </a:r>
+            <a:r>
+              <a:rPr lang="ja-JP" altLang="en-US"/>
+              <a:t>グリシン</a:t>
+            </a:r>
+            <a:r>
+              <a:rPr lang="en-US" altLang="ja-JP" dirty="0"/>
+              <a:t>)</a:t>
+            </a:r>
+            <a:r>
+              <a:rPr lang="ja-JP" altLang="en-US"/>
+              <a:t>, p value: 0.00038</a:t>
             </a:r>
           </a:p>
         </p:txBody>
@@ -4111,8 +4176,8 @@
         </p:nvSpPr>
         <p:spPr>
           <a:xfrm>
-            <a:off x="6381143" y="5972145"/>
-            <a:ext cx="4047903" cy="369332"/>
+            <a:off x="6005347" y="5988203"/>
+            <a:ext cx="5216493" cy="369332"/>
           </a:xfrm>
           <a:prstGeom prst="rect">
             <a:avLst/>
@@ -4142,7 +4207,23 @@
             </a:r>
             <a:r>
               <a:rPr lang="ja-JP" altLang="en-US"/>
-              <a:t> name: TYR, p value: 0.00757</a:t>
+              <a:t> name: TYR</a:t>
+            </a:r>
+            <a:r>
+              <a:rPr lang="en-US" altLang="ja-JP" dirty="0"/>
+              <a:t> (</a:t>
+            </a:r>
+            <a:r>
+              <a:rPr lang="ja-JP" altLang="en-US"/>
+              <a:t>チロシン</a:t>
+            </a:r>
+            <a:r>
+              <a:rPr lang="en-US" altLang="ja-JP" dirty="0"/>
+              <a:t>)</a:t>
+            </a:r>
+            <a:r>
+              <a:rPr lang="ja-JP" altLang="en-US"/>
+              <a:t>, p value: 0.00757</a:t>
             </a:r>
           </a:p>
         </p:txBody>
@@ -4168,8 +4249,112 @@
         </p:blipFill>
         <p:spPr>
           <a:xfrm>
-            <a:off x="1064381" y="1843427"/>
+            <a:off x="695817" y="1821821"/>
             <a:ext cx="5195286" cy="3932906"/>
+          </a:xfrm>
+          <a:prstGeom prst="rect">
+            <a:avLst/>
+          </a:prstGeom>
+        </p:spPr>
+      </p:pic>
+      <p:sp>
+        <p:nvSpPr>
+          <p:cNvPr id="6" name="正方形/長方形 5">
+            <a:extLst>
+              <a:ext uri="{FF2B5EF4-FFF2-40B4-BE49-F238E27FC236}">
+                <a16:creationId xmlns:a16="http://schemas.microsoft.com/office/drawing/2014/main" id="{9CDBD18A-5B91-7847-B994-CA1BC516112B}"/>
+              </a:ext>
+            </a:extLst>
+          </p:cNvPr>
+          <p:cNvSpPr/>
+          <p:nvPr/>
+        </p:nvSpPr>
+        <p:spPr>
+          <a:xfrm>
+            <a:off x="1064381" y="6488668"/>
+            <a:ext cx="6883616" cy="369332"/>
+          </a:xfrm>
+          <a:prstGeom prst="rect">
+            <a:avLst/>
+          </a:prstGeom>
+        </p:spPr>
+        <p:txBody>
+          <a:bodyPr wrap="none">
+            <a:spAutoFit/>
+          </a:bodyPr>
+          <a:lstStyle/>
+          <a:p>
+            <a:r>
+              <a:rPr lang="ja-JP" altLang="en-US">
+                <a:latin typeface="YuGothic"/>
+              </a:rPr>
+              <a:t>コロガロフ・シルノフの</a:t>
+            </a:r>
+            <a:r>
+              <a:rPr lang="en-US" altLang="ja-JP" dirty="0">
+                <a:latin typeface="YuGothic"/>
+              </a:rPr>
+              <a:t>2</a:t>
+            </a:r>
+            <a:r>
+              <a:rPr lang="ja-JP" altLang="en-US">
+                <a:latin typeface="YuGothic"/>
+              </a:rPr>
+              <a:t>標本統計に基づく</a:t>
+            </a:r>
+            <a:r>
+              <a:rPr lang="en" altLang="ja-JP" dirty="0">
+                <a:latin typeface="YuGothic"/>
+              </a:rPr>
+              <a:t>P</a:t>
+            </a:r>
+            <a:r>
+              <a:rPr lang="ja-JP" altLang="en-US">
+                <a:latin typeface="YuGothic"/>
+              </a:rPr>
+              <a:t>値で</a:t>
+            </a:r>
+            <a:r>
+              <a:rPr lang="en-US" altLang="ja-JP" dirty="0">
+                <a:latin typeface="YuGothic"/>
+              </a:rPr>
+              <a:t>&lt;0.05</a:t>
+            </a:r>
+            <a:r>
+              <a:rPr lang="ja-JP" altLang="en-US">
+                <a:latin typeface="YuGothic"/>
+              </a:rPr>
+              <a:t>のカラム </a:t>
+            </a:r>
+            <a:endParaRPr lang="ja-JP" altLang="en-US">
+              <a:effectLst/>
+            </a:endParaRPr>
+          </a:p>
+        </p:txBody>
+      </p:sp>
+      <p:pic>
+        <p:nvPicPr>
+          <p:cNvPr id="7" name="図 6" descr="図形, 矢印&#10;&#10;自動的に生成された説明">
+            <a:extLst>
+              <a:ext uri="{FF2B5EF4-FFF2-40B4-BE49-F238E27FC236}">
+                <a16:creationId xmlns:a16="http://schemas.microsoft.com/office/drawing/2014/main" id="{867F7A95-4A73-984C-A3DA-8A6D18013A01}"/>
+              </a:ext>
+            </a:extLst>
+          </p:cNvPr>
+          <p:cNvPicPr>
+            <a:picLocks noChangeAspect="1"/>
+          </p:cNvPicPr>
+          <p:nvPr/>
+        </p:nvPicPr>
+        <p:blipFill rotWithShape="1">
+          <a:blip r:embed="rId2"/>
+          <a:srcRect l="59975" t="87493" r="19614" b="-1"/>
+          <a:stretch/>
+        </p:blipFill>
+        <p:spPr>
+          <a:xfrm>
+            <a:off x="6005347" y="1872992"/>
+            <a:ext cx="5348453" cy="3932906"/>
           </a:xfrm>
           <a:prstGeom prst="rect">
             <a:avLst/>
@@ -4356,8 +4541,8 @@
         </p:blipFill>
         <p:spPr>
           <a:xfrm>
-            <a:off x="239257" y="2037817"/>
-            <a:ext cx="6057371" cy="4455058"/>
+            <a:off x="2346837" y="1426741"/>
+            <a:ext cx="7176304" cy="5278008"/>
           </a:xfrm>
           <a:prstGeom prst="rect">
             <a:avLst/>

--- a/2021/doc/進捗0928.pptx
+++ b/2021/doc/進捗0928.pptx
@@ -7,12 +7,14 @@
   <p:sldIdLst>
     <p:sldId id="256" r:id="rId2"/>
     <p:sldId id="274" r:id="rId3"/>
-    <p:sldId id="275" r:id="rId4"/>
-    <p:sldId id="277" r:id="rId5"/>
-    <p:sldId id="276" r:id="rId6"/>
-    <p:sldId id="271" r:id="rId7"/>
-    <p:sldId id="272" r:id="rId8"/>
-    <p:sldId id="273" r:id="rId9"/>
+    <p:sldId id="277" r:id="rId4"/>
+    <p:sldId id="276" r:id="rId5"/>
+    <p:sldId id="279" r:id="rId6"/>
+    <p:sldId id="280" r:id="rId7"/>
+    <p:sldId id="278" r:id="rId8"/>
+    <p:sldId id="271" r:id="rId9"/>
+    <p:sldId id="272" r:id="rId10"/>
+    <p:sldId id="273" r:id="rId11"/>
   </p:sldIdLst>
   <p:sldSz cx="12192000" cy="6858000"/>
   <p:notesSz cx="6858000" cy="9144000"/>
@@ -3701,6 +3703,100 @@
 </p:sld>
 </file>
 
+<file path=ppt/slides/slide10.xml><?xml version="1.0" encoding="utf-8"?>
+<p:sld xmlns:a="http://schemas.openxmlformats.org/drawingml/2006/main" xmlns:r="http://schemas.openxmlformats.org/officeDocument/2006/relationships" xmlns:p="http://schemas.openxmlformats.org/presentationml/2006/main">
+  <p:cSld>
+    <p:spTree>
+      <p:nvGrpSpPr>
+        <p:cNvPr id="1" name=""/>
+        <p:cNvGrpSpPr/>
+        <p:nvPr/>
+      </p:nvGrpSpPr>
+      <p:grpSpPr>
+        <a:xfrm>
+          <a:off x="0" y="0"/>
+          <a:ext cx="0" cy="0"/>
+          <a:chOff x="0" y="0"/>
+          <a:chExt cx="0" cy="0"/>
+        </a:xfrm>
+      </p:grpSpPr>
+      <p:sp>
+        <p:nvSpPr>
+          <p:cNvPr id="2" name="タイトル 1">
+            <a:extLst>
+              <a:ext uri="{FF2B5EF4-FFF2-40B4-BE49-F238E27FC236}">
+                <a16:creationId xmlns:a16="http://schemas.microsoft.com/office/drawing/2014/main" id="{D05BC586-F069-884B-BE37-565936750D51}"/>
+              </a:ext>
+            </a:extLst>
+          </p:cNvPr>
+          <p:cNvSpPr>
+            <a:spLocks noGrp="1"/>
+          </p:cNvSpPr>
+          <p:nvPr>
+            <p:ph type="title"/>
+          </p:nvPr>
+        </p:nvSpPr>
+        <p:spPr>
+          <a:xfrm>
+            <a:off x="424453" y="365125"/>
+            <a:ext cx="11439598" cy="1325563"/>
+          </a:xfrm>
+        </p:spPr>
+        <p:txBody>
+          <a:bodyPr/>
+          <a:lstStyle/>
+          <a:p>
+            <a:r>
+              <a:rPr lang="en-US" altLang="ja-JP" dirty="0"/>
+              <a:t>Pocket Similarity Search using Multi-Sketches</a:t>
+            </a:r>
+            <a:endParaRPr kumimoji="1" lang="ja-JP" altLang="en-US"/>
+          </a:p>
+        </p:txBody>
+      </p:sp>
+      <p:pic>
+        <p:nvPicPr>
+          <p:cNvPr id="6" name="図 5" descr="テーブル&#10;&#10;自動的に生成された説明">
+            <a:extLst>
+              <a:ext uri="{FF2B5EF4-FFF2-40B4-BE49-F238E27FC236}">
+                <a16:creationId xmlns:a16="http://schemas.microsoft.com/office/drawing/2014/main" id="{492A9A06-5510-934D-B1B6-167A99023F22}"/>
+              </a:ext>
+            </a:extLst>
+          </p:cNvPr>
+          <p:cNvPicPr>
+            <a:picLocks noChangeAspect="1"/>
+          </p:cNvPicPr>
+          <p:nvPr/>
+        </p:nvPicPr>
+        <p:blipFill>
+          <a:blip r:embed="rId2"/>
+          <a:stretch>
+            <a:fillRect/>
+          </a:stretch>
+        </p:blipFill>
+        <p:spPr>
+          <a:xfrm>
+            <a:off x="216107" y="2123681"/>
+            <a:ext cx="11439598" cy="3350510"/>
+          </a:xfrm>
+          <a:prstGeom prst="rect">
+            <a:avLst/>
+          </a:prstGeom>
+        </p:spPr>
+      </p:pic>
+    </p:spTree>
+    <p:extLst>
+      <p:ext uri="{BB962C8B-B14F-4D97-AF65-F5344CB8AC3E}">
+        <p14:creationId xmlns:p14="http://schemas.microsoft.com/office/powerpoint/2010/main" val="3832337321"/>
+      </p:ext>
+    </p:extLst>
+  </p:cSld>
+  <p:clrMapOvr>
+    <a:masterClrMapping/>
+  </p:clrMapOvr>
+</p:sld>
+</file>
+
 <file path=ppt/slides/slide2.xml><?xml version="1.0" encoding="utf-8"?>
 <p:sld xmlns:a="http://schemas.openxmlformats.org/drawingml/2006/main" xmlns:r="http://schemas.openxmlformats.org/officeDocument/2006/relationships" xmlns:p="http://schemas.openxmlformats.org/presentationml/2006/main">
   <p:cSld>
@@ -3739,7 +3835,426 @@
           <a:bodyPr/>
           <a:lstStyle/>
           <a:p>
-            <a:endParaRPr kumimoji="1" lang="ja-JP" altLang="en-US"/>
+            <a:r>
+              <a:rPr kumimoji="1" lang="ja-JP" altLang="en-US"/>
+              <a:t>追加解析</a:t>
+            </a:r>
+          </a:p>
+        </p:txBody>
+      </p:sp>
+      <p:sp>
+        <p:nvSpPr>
+          <p:cNvPr id="3" name="テキスト ボックス 2">
+            <a:extLst>
+              <a:ext uri="{FF2B5EF4-FFF2-40B4-BE49-F238E27FC236}">
+                <a16:creationId xmlns:a16="http://schemas.microsoft.com/office/drawing/2014/main" id="{BD56645E-0DD6-EA44-9794-CFBE68F34CDB}"/>
+              </a:ext>
+            </a:extLst>
+          </p:cNvPr>
+          <p:cNvSpPr txBox="1"/>
+          <p:nvPr/>
+        </p:nvSpPr>
+        <p:spPr>
+          <a:xfrm>
+            <a:off x="1088020" y="1805651"/>
+            <a:ext cx="10265780" cy="1569660"/>
+          </a:xfrm>
+          <a:prstGeom prst="rect">
+            <a:avLst/>
+          </a:prstGeom>
+          <a:noFill/>
+        </p:spPr>
+        <p:txBody>
+          <a:bodyPr wrap="square" rtlCol="0">
+            <a:spAutoFit/>
+          </a:bodyPr>
+          <a:lstStyle/>
+          <a:p>
+            <a:pPr marL="285750" indent="-285750">
+              <a:buFont typeface="Arial" panose="020B0604020202020204" pitchFamily="34" charset="0"/>
+              <a:buChar char="•"/>
+            </a:pPr>
+            <a:r>
+              <a:rPr kumimoji="1" lang="ja-JP" altLang="en-US" sz="2400"/>
+              <a:t>特徴量追加</a:t>
+            </a:r>
+            <a:r>
+              <a:rPr kumimoji="1" lang="en-US" altLang="ja-JP" sz="2400" dirty="0"/>
+              <a:t>(</a:t>
+            </a:r>
+            <a:r>
+              <a:rPr kumimoji="1" lang="en-US" altLang="ja-JP" sz="2400" dirty="0" err="1"/>
+              <a:t>Fpocket</a:t>
+            </a:r>
+            <a:r>
+              <a:rPr kumimoji="1" lang="ja-JP" altLang="en-US" sz="2400"/>
+              <a:t>の</a:t>
+            </a:r>
+            <a:r>
+              <a:rPr kumimoji="1" lang="en-US" altLang="ja-JP" sz="2400" dirty="0"/>
+              <a:t>19</a:t>
+            </a:r>
+            <a:r>
+              <a:rPr kumimoji="1" lang="ja-JP" altLang="en-US" sz="2400"/>
+              <a:t>種類の特徴量以外</a:t>
+            </a:r>
+            <a:r>
+              <a:rPr kumimoji="1" lang="en-US" altLang="ja-JP" sz="2400" dirty="0"/>
+              <a:t>)</a:t>
+            </a:r>
+          </a:p>
+          <a:p>
+            <a:pPr marL="742950" lvl="1" indent="-285750">
+              <a:buFont typeface="Arial" panose="020B0604020202020204" pitchFamily="34" charset="0"/>
+              <a:buChar char="•"/>
+            </a:pPr>
+            <a:r>
+              <a:rPr lang="ja-JP" altLang="en-US" sz="2400"/>
+              <a:t>クリプトサイトになり得る凹みとその他の凹みとでアルファ球近傍</a:t>
+            </a:r>
+            <a:r>
+              <a:rPr lang="en-US" altLang="ja-JP" sz="2400" dirty="0"/>
+              <a:t>(5Å)</a:t>
+            </a:r>
+            <a:r>
+              <a:rPr lang="ja-JP" altLang="en-US" sz="2400"/>
+              <a:t>の残基のヒストグラムに違いがあるかどうか。</a:t>
+            </a:r>
+          </a:p>
+          <a:p>
+            <a:pPr marL="285750" indent="-285750">
+              <a:buFont typeface="Arial" panose="020B0604020202020204" pitchFamily="34" charset="0"/>
+              <a:buChar char="•"/>
+            </a:pPr>
+            <a:endParaRPr kumimoji="1" lang="ja-JP" altLang="en-US" sz="2400"/>
+          </a:p>
+        </p:txBody>
+      </p:sp>
+      <p:pic>
+        <p:nvPicPr>
+          <p:cNvPr id="4" name="図 3" descr="カラフルな絵&#10;&#10;低い精度で自動的に生成された説明">
+            <a:extLst>
+              <a:ext uri="{FF2B5EF4-FFF2-40B4-BE49-F238E27FC236}">
+                <a16:creationId xmlns:a16="http://schemas.microsoft.com/office/drawing/2014/main" id="{E8F1DDCF-A355-6744-A72A-B71E0884C7DB}"/>
+              </a:ext>
+            </a:extLst>
+          </p:cNvPr>
+          <p:cNvPicPr>
+            <a:picLocks noChangeAspect="1"/>
+          </p:cNvPicPr>
+          <p:nvPr/>
+        </p:nvPicPr>
+        <p:blipFill rotWithShape="1">
+          <a:blip r:embed="rId2"/>
+          <a:srcRect l="3093" r="1474" b="4255"/>
+          <a:stretch/>
+        </p:blipFill>
+        <p:spPr>
+          <a:xfrm>
+            <a:off x="218422" y="3915483"/>
+            <a:ext cx="6038442" cy="1942233"/>
+          </a:xfrm>
+          <a:prstGeom prst="rect">
+            <a:avLst/>
+          </a:prstGeom>
+        </p:spPr>
+      </p:pic>
+      <p:pic>
+        <p:nvPicPr>
+          <p:cNvPr id="5" name="図 4" descr="カラフルな絵&#10;&#10;低い精度で自動的に生成された説明">
+            <a:extLst>
+              <a:ext uri="{FF2B5EF4-FFF2-40B4-BE49-F238E27FC236}">
+                <a16:creationId xmlns:a16="http://schemas.microsoft.com/office/drawing/2014/main" id="{11617F5F-59CF-634E-B7B6-3DA6C8F3EAF3}"/>
+              </a:ext>
+            </a:extLst>
+          </p:cNvPr>
+          <p:cNvPicPr>
+            <a:picLocks noChangeAspect="1"/>
+          </p:cNvPicPr>
+          <p:nvPr/>
+        </p:nvPicPr>
+        <p:blipFill rotWithShape="1">
+          <a:blip r:embed="rId3"/>
+          <a:srcRect l="3313" r="2204" b="4198"/>
+          <a:stretch/>
+        </p:blipFill>
+        <p:spPr>
+          <a:xfrm>
+            <a:off x="6347865" y="3891014"/>
+            <a:ext cx="5809411" cy="1966703"/>
+          </a:xfrm>
+          <a:prstGeom prst="rect">
+            <a:avLst/>
+          </a:prstGeom>
+        </p:spPr>
+      </p:pic>
+      <p:sp>
+        <p:nvSpPr>
+          <p:cNvPr id="6" name="テキスト ボックス 5">
+            <a:extLst>
+              <a:ext uri="{FF2B5EF4-FFF2-40B4-BE49-F238E27FC236}">
+                <a16:creationId xmlns:a16="http://schemas.microsoft.com/office/drawing/2014/main" id="{837F4B9D-9521-1D4F-A141-BF4CF281D736}"/>
+              </a:ext>
+            </a:extLst>
+          </p:cNvPr>
+          <p:cNvSpPr txBox="1"/>
+          <p:nvPr/>
+        </p:nvSpPr>
+        <p:spPr>
+          <a:xfrm>
+            <a:off x="162025" y="3490904"/>
+            <a:ext cx="6083717" cy="400110"/>
+          </a:xfrm>
+          <a:prstGeom prst="rect">
+            <a:avLst/>
+          </a:prstGeom>
+          <a:noFill/>
+        </p:spPr>
+        <p:txBody>
+          <a:bodyPr wrap="none" rtlCol="0">
+            <a:spAutoFit/>
+          </a:bodyPr>
+          <a:lstStyle/>
+          <a:p>
+            <a:r>
+              <a:rPr kumimoji="1" lang="ja-JP" altLang="en-US" sz="2000"/>
+              <a:t>クリプトサイトになり得る凹みのアノテーション例</a:t>
+            </a:r>
+          </a:p>
+        </p:txBody>
+      </p:sp>
+      <p:sp>
+        <p:nvSpPr>
+          <p:cNvPr id="7" name="テキスト ボックス 6">
+            <a:extLst>
+              <a:ext uri="{FF2B5EF4-FFF2-40B4-BE49-F238E27FC236}">
+                <a16:creationId xmlns:a16="http://schemas.microsoft.com/office/drawing/2014/main" id="{11E6208F-C2E4-B249-A289-C92800DF7C0A}"/>
+              </a:ext>
+            </a:extLst>
+          </p:cNvPr>
+          <p:cNvSpPr txBox="1"/>
+          <p:nvPr/>
+        </p:nvSpPr>
+        <p:spPr>
+          <a:xfrm>
+            <a:off x="6309714" y="3490274"/>
+            <a:ext cx="4031873" cy="400110"/>
+          </a:xfrm>
+          <a:prstGeom prst="rect">
+            <a:avLst/>
+          </a:prstGeom>
+          <a:noFill/>
+        </p:spPr>
+        <p:txBody>
+          <a:bodyPr wrap="none" rtlCol="0">
+            <a:spAutoFit/>
+          </a:bodyPr>
+          <a:lstStyle/>
+          <a:p>
+            <a:r>
+              <a:rPr kumimoji="1" lang="ja-JP" altLang="en-US" sz="2000"/>
+              <a:t>その他の凹みのアノテーション例</a:t>
+            </a:r>
+          </a:p>
+        </p:txBody>
+      </p:sp>
+      <p:sp>
+        <p:nvSpPr>
+          <p:cNvPr id="8" name="ドーナツ 7">
+            <a:extLst>
+              <a:ext uri="{FF2B5EF4-FFF2-40B4-BE49-F238E27FC236}">
+                <a16:creationId xmlns:a16="http://schemas.microsoft.com/office/drawing/2014/main" id="{31BA7D98-7C12-E04C-B21C-C62181E76D88}"/>
+              </a:ext>
+            </a:extLst>
+          </p:cNvPr>
+          <p:cNvSpPr/>
+          <p:nvPr/>
+        </p:nvSpPr>
+        <p:spPr>
+          <a:xfrm rot="256553">
+            <a:off x="4648578" y="4303007"/>
+            <a:ext cx="1346704" cy="1206607"/>
+          </a:xfrm>
+          <a:prstGeom prst="donut">
+            <a:avLst>
+              <a:gd name="adj" fmla="val 4455"/>
+            </a:avLst>
+          </a:prstGeom>
+          <a:solidFill>
+            <a:srgbClr val="FFC000"/>
+          </a:solidFill>
+          <a:ln>
+            <a:solidFill>
+              <a:schemeClr val="tx1"/>
+            </a:solidFill>
+          </a:ln>
+        </p:spPr>
+        <p:style>
+          <a:lnRef idx="2">
+            <a:schemeClr val="accent1">
+              <a:shade val="50000"/>
+            </a:schemeClr>
+          </a:lnRef>
+          <a:fillRef idx="1">
+            <a:schemeClr val="accent1"/>
+          </a:fillRef>
+          <a:effectRef idx="0">
+            <a:schemeClr val="accent1"/>
+          </a:effectRef>
+          <a:fontRef idx="minor">
+            <a:schemeClr val="lt1"/>
+          </a:fontRef>
+        </p:style>
+        <p:txBody>
+          <a:bodyPr rtlCol="0" anchor="ctr"/>
+          <a:lstStyle/>
+          <a:p>
+            <a:pPr algn="ctr"/>
+            <a:endParaRPr kumimoji="1" lang="ja-JP" altLang="en-US">
+              <a:solidFill>
+                <a:schemeClr val="tx1"/>
+              </a:solidFill>
+            </a:endParaRPr>
+          </a:p>
+        </p:txBody>
+      </p:sp>
+      <p:cxnSp>
+        <p:nvCxnSpPr>
+          <p:cNvPr id="9" name="直線コネクタ 8">
+            <a:extLst>
+              <a:ext uri="{FF2B5EF4-FFF2-40B4-BE49-F238E27FC236}">
+                <a16:creationId xmlns:a16="http://schemas.microsoft.com/office/drawing/2014/main" id="{CD099B26-A581-8D4F-B021-90420E936993}"/>
+              </a:ext>
+            </a:extLst>
+          </p:cNvPr>
+          <p:cNvCxnSpPr>
+            <a:cxnSpLocks/>
+            <a:endCxn id="8" idx="4"/>
+          </p:cNvCxnSpPr>
+          <p:nvPr/>
+        </p:nvCxnSpPr>
+        <p:spPr>
+          <a:xfrm>
+            <a:off x="5271206" y="4944716"/>
+            <a:ext cx="5742" cy="563219"/>
+          </a:xfrm>
+          <a:prstGeom prst="line">
+            <a:avLst/>
+          </a:prstGeom>
+          <a:ln w="57150">
+            <a:solidFill>
+              <a:srgbClr val="FFC000"/>
+            </a:solidFill>
+          </a:ln>
+        </p:spPr>
+        <p:style>
+          <a:lnRef idx="1">
+            <a:schemeClr val="accent1"/>
+          </a:lnRef>
+          <a:fillRef idx="0">
+            <a:schemeClr val="accent1"/>
+          </a:fillRef>
+          <a:effectRef idx="0">
+            <a:schemeClr val="accent1"/>
+          </a:effectRef>
+          <a:fontRef idx="minor">
+            <a:schemeClr val="tx1"/>
+          </a:fontRef>
+        </p:style>
+      </p:cxnSp>
+      <p:sp>
+        <p:nvSpPr>
+          <p:cNvPr id="10" name="テキスト ボックス 9">
+            <a:extLst>
+              <a:ext uri="{FF2B5EF4-FFF2-40B4-BE49-F238E27FC236}">
+                <a16:creationId xmlns:a16="http://schemas.microsoft.com/office/drawing/2014/main" id="{4BB40670-E2A2-704D-89AE-D462A2C31D31}"/>
+              </a:ext>
+            </a:extLst>
+          </p:cNvPr>
+          <p:cNvSpPr txBox="1"/>
+          <p:nvPr/>
+        </p:nvSpPr>
+        <p:spPr>
+          <a:xfrm>
+            <a:off x="5271206" y="5078661"/>
+            <a:ext cx="543739" cy="369332"/>
+          </a:xfrm>
+          <a:prstGeom prst="rect">
+            <a:avLst/>
+          </a:prstGeom>
+          <a:noFill/>
+        </p:spPr>
+        <p:txBody>
+          <a:bodyPr wrap="none" rtlCol="0">
+            <a:spAutoFit/>
+          </a:bodyPr>
+          <a:lstStyle/>
+          <a:p>
+            <a:r>
+              <a:rPr kumimoji="1" lang="en-US" altLang="ja-JP" b="1" dirty="0"/>
+              <a:t>3Å</a:t>
+            </a:r>
+            <a:endParaRPr kumimoji="1" lang="ja-JP" altLang="en-US" b="1"/>
+          </a:p>
+        </p:txBody>
+      </p:sp>
+      <p:sp>
+        <p:nvSpPr>
+          <p:cNvPr id="11" name="ドーナツ 10">
+            <a:extLst>
+              <a:ext uri="{FF2B5EF4-FFF2-40B4-BE49-F238E27FC236}">
+                <a16:creationId xmlns:a16="http://schemas.microsoft.com/office/drawing/2014/main" id="{ECB5DD73-62D3-6B40-AC8B-59DBDAE5AAB7}"/>
+              </a:ext>
+            </a:extLst>
+          </p:cNvPr>
+          <p:cNvSpPr/>
+          <p:nvPr/>
+        </p:nvSpPr>
+        <p:spPr>
+          <a:xfrm rot="20337492">
+            <a:off x="10571764" y="4330055"/>
+            <a:ext cx="875434" cy="1378591"/>
+          </a:xfrm>
+          <a:prstGeom prst="donut">
+            <a:avLst>
+              <a:gd name="adj" fmla="val 4455"/>
+            </a:avLst>
+          </a:prstGeom>
+          <a:solidFill>
+            <a:srgbClr val="FFC000"/>
+          </a:solidFill>
+          <a:ln>
+            <a:solidFill>
+              <a:schemeClr val="tx1"/>
+            </a:solidFill>
+          </a:ln>
+        </p:spPr>
+        <p:style>
+          <a:lnRef idx="2">
+            <a:schemeClr val="accent1">
+              <a:shade val="50000"/>
+            </a:schemeClr>
+          </a:lnRef>
+          <a:fillRef idx="1">
+            <a:schemeClr val="accent1"/>
+          </a:fillRef>
+          <a:effectRef idx="0">
+            <a:schemeClr val="accent1"/>
+          </a:effectRef>
+          <a:fontRef idx="minor">
+            <a:schemeClr val="lt1"/>
+          </a:fontRef>
+        </p:style>
+        <p:txBody>
+          <a:bodyPr rtlCol="0" anchor="ctr"/>
+          <a:lstStyle/>
+          <a:p>
+            <a:pPr algn="ctr"/>
+            <a:endParaRPr kumimoji="1" lang="ja-JP" altLang="en-US">
+              <a:solidFill>
+                <a:schemeClr val="tx1"/>
+              </a:solidFill>
+            </a:endParaRPr>
           </a:p>
         </p:txBody>
       </p:sp>
@@ -3778,95 +4293,6 @@
           <p:cNvPr id="2" name="タイトル 1">
             <a:extLst>
               <a:ext uri="{FF2B5EF4-FFF2-40B4-BE49-F238E27FC236}">
-                <a16:creationId xmlns:a16="http://schemas.microsoft.com/office/drawing/2014/main" id="{8F104DA2-5760-484A-B0FD-7EC1E5D37494}"/>
-              </a:ext>
-            </a:extLst>
-          </p:cNvPr>
-          <p:cNvSpPr>
-            <a:spLocks noGrp="1"/>
-          </p:cNvSpPr>
-          <p:nvPr>
-            <p:ph type="title"/>
-          </p:nvPr>
-        </p:nvSpPr>
-        <p:spPr/>
-        <p:txBody>
-          <a:bodyPr/>
-          <a:lstStyle/>
-          <a:p>
-            <a:endParaRPr kumimoji="1" lang="ja-JP" altLang="en-US"/>
-          </a:p>
-        </p:txBody>
-      </p:sp>
-      <p:sp>
-        <p:nvSpPr>
-          <p:cNvPr id="6" name="テキスト ボックス 5">
-            <a:extLst>
-              <a:ext uri="{FF2B5EF4-FFF2-40B4-BE49-F238E27FC236}">
-                <a16:creationId xmlns:a16="http://schemas.microsoft.com/office/drawing/2014/main" id="{206740CA-9AB1-274C-AED8-4A9377D5F39C}"/>
-              </a:ext>
-            </a:extLst>
-          </p:cNvPr>
-          <p:cNvSpPr txBox="1"/>
-          <p:nvPr/>
-        </p:nvSpPr>
-        <p:spPr>
-          <a:xfrm>
-            <a:off x="2631688" y="1862091"/>
-            <a:ext cx="1362307" cy="1325563"/>
-          </a:xfrm>
-          <a:prstGeom prst="rect">
-            <a:avLst/>
-          </a:prstGeom>
-          <a:solidFill>
-            <a:schemeClr val="bg1"/>
-          </a:solidFill>
-        </p:spPr>
-        <p:txBody>
-          <a:bodyPr wrap="square" rtlCol="0">
-            <a:spAutoFit/>
-          </a:bodyPr>
-          <a:lstStyle/>
-          <a:p>
-            <a:endParaRPr kumimoji="1" lang="ja-JP" altLang="en-US"/>
-          </a:p>
-        </p:txBody>
-      </p:sp>
-    </p:spTree>
-    <p:extLst>
-      <p:ext uri="{BB962C8B-B14F-4D97-AF65-F5344CB8AC3E}">
-        <p14:creationId xmlns:p14="http://schemas.microsoft.com/office/powerpoint/2010/main" val="1758759573"/>
-      </p:ext>
-    </p:extLst>
-  </p:cSld>
-  <p:clrMapOvr>
-    <a:masterClrMapping/>
-  </p:clrMapOvr>
-</p:sld>
-</file>
-
-<file path=ppt/slides/slide4.xml><?xml version="1.0" encoding="utf-8"?>
-<p:sld xmlns:a="http://schemas.openxmlformats.org/drawingml/2006/main" xmlns:r="http://schemas.openxmlformats.org/officeDocument/2006/relationships" xmlns:p="http://schemas.openxmlformats.org/presentationml/2006/main">
-  <p:cSld>
-    <p:spTree>
-      <p:nvGrpSpPr>
-        <p:cNvPr id="1" name=""/>
-        <p:cNvGrpSpPr/>
-        <p:nvPr/>
-      </p:nvGrpSpPr>
-      <p:grpSpPr>
-        <a:xfrm>
-          <a:off x="0" y="0"/>
-          <a:ext cx="0" cy="0"/>
-          <a:chOff x="0" y="0"/>
-          <a:chExt cx="0" cy="0"/>
-        </a:xfrm>
-      </p:grpSpPr>
-      <p:sp>
-        <p:nvSpPr>
-          <p:cNvPr id="2" name="タイトル 1">
-            <a:extLst>
-              <a:ext uri="{FF2B5EF4-FFF2-40B4-BE49-F238E27FC236}">
                 <a16:creationId xmlns:a16="http://schemas.microsoft.com/office/drawing/2014/main" id="{D5804BD8-C0BC-7248-B696-83DEBAC96491}"/>
               </a:ext>
             </a:extLst>
@@ -4040,7 +4466,7 @@
 </p:sld>
 </file>
 
-<file path=ppt/slides/slide5.xml><?xml version="1.0" encoding="utf-8"?>
+<file path=ppt/slides/slide4.xml><?xml version="1.0" encoding="utf-8"?>
 <p:sld xmlns:a="http://schemas.openxmlformats.org/drawingml/2006/main" xmlns:r="http://schemas.openxmlformats.org/officeDocument/2006/relationships" xmlns:p="http://schemas.openxmlformats.org/presentationml/2006/main">
   <p:cSld>
     <p:spTree>
@@ -4374,7 +4800,312 @@
 </p:sld>
 </file>
 
+<file path=ppt/slides/slide5.xml><?xml version="1.0" encoding="utf-8"?>
+<p:sld xmlns:a="http://schemas.openxmlformats.org/drawingml/2006/main" xmlns:r="http://schemas.openxmlformats.org/officeDocument/2006/relationships" xmlns:p="http://schemas.openxmlformats.org/presentationml/2006/main">
+  <p:cSld>
+    <p:spTree>
+      <p:nvGrpSpPr>
+        <p:cNvPr id="1" name=""/>
+        <p:cNvGrpSpPr/>
+        <p:nvPr/>
+      </p:nvGrpSpPr>
+      <p:grpSpPr>
+        <a:xfrm>
+          <a:off x="0" y="0"/>
+          <a:ext cx="0" cy="0"/>
+          <a:chOff x="0" y="0"/>
+          <a:chExt cx="0" cy="0"/>
+        </a:xfrm>
+      </p:grpSpPr>
+      <p:sp>
+        <p:nvSpPr>
+          <p:cNvPr id="2" name="タイトル 1">
+            <a:extLst>
+              <a:ext uri="{FF2B5EF4-FFF2-40B4-BE49-F238E27FC236}">
+                <a16:creationId xmlns:a16="http://schemas.microsoft.com/office/drawing/2014/main" id="{F6AC88A0-F163-9F43-99F2-763D65F0F64A}"/>
+              </a:ext>
+            </a:extLst>
+          </p:cNvPr>
+          <p:cNvSpPr>
+            <a:spLocks noGrp="1"/>
+          </p:cNvSpPr>
+          <p:nvPr>
+            <p:ph type="title"/>
+          </p:nvPr>
+        </p:nvSpPr>
+        <p:spPr>
+          <a:xfrm>
+            <a:off x="838200" y="190953"/>
+            <a:ext cx="10515600" cy="1325563"/>
+          </a:xfrm>
+        </p:spPr>
+        <p:txBody>
+          <a:bodyPr/>
+          <a:lstStyle/>
+          <a:p>
+            <a:r>
+              <a:rPr kumimoji="1" lang="en-US" altLang="ja-JP" dirty="0" err="1"/>
+              <a:t>Optuna</a:t>
+            </a:r>
+            <a:r>
+              <a:rPr kumimoji="1" lang="ja-JP" altLang="en-US"/>
+              <a:t>によるチューニング</a:t>
+            </a:r>
+            <a:r>
+              <a:rPr kumimoji="1" lang="en-US" altLang="ja-JP"/>
+              <a:t>(SVM)</a:t>
+            </a:r>
+            <a:endParaRPr kumimoji="1" lang="ja-JP" altLang="en-US"/>
+          </a:p>
+        </p:txBody>
+      </p:sp>
+      <p:pic>
+        <p:nvPicPr>
+          <p:cNvPr id="4" name="図 3" descr="グラフ, 散布図&#10;&#10;自動的に生成された説明">
+            <a:extLst>
+              <a:ext uri="{FF2B5EF4-FFF2-40B4-BE49-F238E27FC236}">
+                <a16:creationId xmlns:a16="http://schemas.microsoft.com/office/drawing/2014/main" id="{68D6A1AB-AD76-024D-9753-12E4CD766923}"/>
+              </a:ext>
+            </a:extLst>
+          </p:cNvPr>
+          <p:cNvPicPr>
+            <a:picLocks noChangeAspect="1"/>
+          </p:cNvPicPr>
+          <p:nvPr/>
+        </p:nvPicPr>
+        <p:blipFill>
+          <a:blip r:embed="rId2"/>
+          <a:stretch>
+            <a:fillRect/>
+          </a:stretch>
+        </p:blipFill>
+        <p:spPr>
+          <a:xfrm>
+            <a:off x="429984" y="1220624"/>
+            <a:ext cx="4445000" cy="3175000"/>
+          </a:xfrm>
+          <a:prstGeom prst="rect">
+            <a:avLst/>
+          </a:prstGeom>
+        </p:spPr>
+      </p:pic>
+      <p:pic>
+        <p:nvPicPr>
+          <p:cNvPr id="6" name="図 5" descr="グラフ&#10;&#10;自動的に生成された説明">
+            <a:extLst>
+              <a:ext uri="{FF2B5EF4-FFF2-40B4-BE49-F238E27FC236}">
+                <a16:creationId xmlns:a16="http://schemas.microsoft.com/office/drawing/2014/main" id="{BAD28B1D-6A2B-8C45-AEE6-8FD1CA40242B}"/>
+              </a:ext>
+            </a:extLst>
+          </p:cNvPr>
+          <p:cNvPicPr>
+            <a:picLocks noChangeAspect="1"/>
+          </p:cNvPicPr>
+          <p:nvPr/>
+        </p:nvPicPr>
+        <p:blipFill>
+          <a:blip r:embed="rId3"/>
+          <a:stretch>
+            <a:fillRect/>
+          </a:stretch>
+        </p:blipFill>
+        <p:spPr>
+          <a:xfrm>
+            <a:off x="4931139" y="1220624"/>
+            <a:ext cx="4445000" cy="3175000"/>
+          </a:xfrm>
+          <a:prstGeom prst="rect">
+            <a:avLst/>
+          </a:prstGeom>
+        </p:spPr>
+      </p:pic>
+      <p:pic>
+        <p:nvPicPr>
+          <p:cNvPr id="8" name="図 7" descr="グラフ, 棒グラフ&#10;&#10;自動的に生成された説明">
+            <a:extLst>
+              <a:ext uri="{FF2B5EF4-FFF2-40B4-BE49-F238E27FC236}">
+                <a16:creationId xmlns:a16="http://schemas.microsoft.com/office/drawing/2014/main" id="{134E1B3D-2860-4E4F-84BE-74DF355CCD9B}"/>
+              </a:ext>
+            </a:extLst>
+          </p:cNvPr>
+          <p:cNvPicPr>
+            <a:picLocks noChangeAspect="1"/>
+          </p:cNvPicPr>
+          <p:nvPr/>
+        </p:nvPicPr>
+        <p:blipFill>
+          <a:blip r:embed="rId4"/>
+          <a:stretch>
+            <a:fillRect/>
+          </a:stretch>
+        </p:blipFill>
+        <p:spPr>
+          <a:xfrm>
+            <a:off x="676153" y="4323282"/>
+            <a:ext cx="3548605" cy="2534718"/>
+          </a:xfrm>
+          <a:prstGeom prst="rect">
+            <a:avLst/>
+          </a:prstGeom>
+        </p:spPr>
+      </p:pic>
+      <p:pic>
+        <p:nvPicPr>
+          <p:cNvPr id="10" name="図 9" descr="グラフ, 散布図&#10;&#10;自動的に生成された説明">
+            <a:extLst>
+              <a:ext uri="{FF2B5EF4-FFF2-40B4-BE49-F238E27FC236}">
+                <a16:creationId xmlns:a16="http://schemas.microsoft.com/office/drawing/2014/main" id="{A7306E87-0BD0-1E4A-8792-CC3E9AC39027}"/>
+              </a:ext>
+            </a:extLst>
+          </p:cNvPr>
+          <p:cNvPicPr>
+            <a:picLocks noChangeAspect="1"/>
+          </p:cNvPicPr>
+          <p:nvPr/>
+        </p:nvPicPr>
+        <p:blipFill>
+          <a:blip r:embed="rId5"/>
+          <a:stretch>
+            <a:fillRect/>
+          </a:stretch>
+        </p:blipFill>
+        <p:spPr>
+          <a:xfrm>
+            <a:off x="5304309" y="4323282"/>
+            <a:ext cx="3548605" cy="2534718"/>
+          </a:xfrm>
+          <a:prstGeom prst="rect">
+            <a:avLst/>
+          </a:prstGeom>
+        </p:spPr>
+      </p:pic>
+    </p:spTree>
+    <p:extLst>
+      <p:ext uri="{BB962C8B-B14F-4D97-AF65-F5344CB8AC3E}">
+        <p14:creationId xmlns:p14="http://schemas.microsoft.com/office/powerpoint/2010/main" val="2660762896"/>
+      </p:ext>
+    </p:extLst>
+  </p:cSld>
+  <p:clrMapOvr>
+    <a:masterClrMapping/>
+  </p:clrMapOvr>
+</p:sld>
+</file>
+
 <file path=ppt/slides/slide6.xml><?xml version="1.0" encoding="utf-8"?>
+<p:sld xmlns:a="http://schemas.openxmlformats.org/drawingml/2006/main" xmlns:r="http://schemas.openxmlformats.org/officeDocument/2006/relationships" xmlns:p="http://schemas.openxmlformats.org/presentationml/2006/main">
+  <p:cSld>
+    <p:spTree>
+      <p:nvGrpSpPr>
+        <p:cNvPr id="1" name=""/>
+        <p:cNvGrpSpPr/>
+        <p:nvPr/>
+      </p:nvGrpSpPr>
+      <p:grpSpPr>
+        <a:xfrm>
+          <a:off x="0" y="0"/>
+          <a:ext cx="0" cy="0"/>
+          <a:chOff x="0" y="0"/>
+          <a:chExt cx="0" cy="0"/>
+        </a:xfrm>
+      </p:grpSpPr>
+      <p:sp>
+        <p:nvSpPr>
+          <p:cNvPr id="2" name="タイトル 1">
+            <a:extLst>
+              <a:ext uri="{FF2B5EF4-FFF2-40B4-BE49-F238E27FC236}">
+                <a16:creationId xmlns:a16="http://schemas.microsoft.com/office/drawing/2014/main" id="{93FBB2EE-B15E-7D40-A8BC-318E53757943}"/>
+              </a:ext>
+            </a:extLst>
+          </p:cNvPr>
+          <p:cNvSpPr>
+            <a:spLocks noGrp="1"/>
+          </p:cNvSpPr>
+          <p:nvPr>
+            <p:ph type="title"/>
+          </p:nvPr>
+        </p:nvSpPr>
+        <p:spPr/>
+        <p:txBody>
+          <a:bodyPr/>
+          <a:lstStyle/>
+          <a:p>
+            <a:endParaRPr kumimoji="1" lang="ja-JP" altLang="en-US"/>
+          </a:p>
+        </p:txBody>
+      </p:sp>
+    </p:spTree>
+    <p:extLst>
+      <p:ext uri="{BB962C8B-B14F-4D97-AF65-F5344CB8AC3E}">
+        <p14:creationId xmlns:p14="http://schemas.microsoft.com/office/powerpoint/2010/main" val="2022028108"/>
+      </p:ext>
+    </p:extLst>
+  </p:cSld>
+  <p:clrMapOvr>
+    <a:masterClrMapping/>
+  </p:clrMapOvr>
+</p:sld>
+</file>
+
+<file path=ppt/slides/slide7.xml><?xml version="1.0" encoding="utf-8"?>
+<p:sld xmlns:a="http://schemas.openxmlformats.org/drawingml/2006/main" xmlns:r="http://schemas.openxmlformats.org/officeDocument/2006/relationships" xmlns:p="http://schemas.openxmlformats.org/presentationml/2006/main">
+  <p:cSld>
+    <p:spTree>
+      <p:nvGrpSpPr>
+        <p:cNvPr id="1" name=""/>
+        <p:cNvGrpSpPr/>
+        <p:nvPr/>
+      </p:nvGrpSpPr>
+      <p:grpSpPr>
+        <a:xfrm>
+          <a:off x="0" y="0"/>
+          <a:ext cx="0" cy="0"/>
+          <a:chOff x="0" y="0"/>
+          <a:chExt cx="0" cy="0"/>
+        </a:xfrm>
+      </p:grpSpPr>
+      <p:sp>
+        <p:nvSpPr>
+          <p:cNvPr id="2" name="タイトル 1">
+            <a:extLst>
+              <a:ext uri="{FF2B5EF4-FFF2-40B4-BE49-F238E27FC236}">
+                <a16:creationId xmlns:a16="http://schemas.microsoft.com/office/drawing/2014/main" id="{246B606E-7A53-DD46-8CF2-F40D6405A535}"/>
+              </a:ext>
+            </a:extLst>
+          </p:cNvPr>
+          <p:cNvSpPr>
+            <a:spLocks noGrp="1"/>
+          </p:cNvSpPr>
+          <p:nvPr>
+            <p:ph type="title"/>
+          </p:nvPr>
+        </p:nvSpPr>
+        <p:spPr/>
+        <p:txBody>
+          <a:bodyPr/>
+          <a:lstStyle/>
+          <a:p>
+            <a:r>
+              <a:rPr kumimoji="1" lang="ja-JP" altLang="en-US"/>
+              <a:t>補足</a:t>
+            </a:r>
+          </a:p>
+        </p:txBody>
+      </p:sp>
+    </p:spTree>
+    <p:extLst>
+      <p:ext uri="{BB962C8B-B14F-4D97-AF65-F5344CB8AC3E}">
+        <p14:creationId xmlns:p14="http://schemas.microsoft.com/office/powerpoint/2010/main" val="2246600387"/>
+      </p:ext>
+    </p:extLst>
+  </p:cSld>
+  <p:clrMapOvr>
+    <a:masterClrMapping/>
+  </p:clrMapOvr>
+</p:sld>
+</file>
+
+<file path=ppt/slides/slide8.xml><?xml version="1.0" encoding="utf-8"?>
 <p:sld xmlns:a="http://schemas.openxmlformats.org/drawingml/2006/main" xmlns:r="http://schemas.openxmlformats.org/officeDocument/2006/relationships" xmlns:p="http://schemas.openxmlformats.org/presentationml/2006/main">
   <p:cSld>
     <p:spTree>
@@ -4468,7 +5199,7 @@
 </p:sld>
 </file>
 
-<file path=ppt/slides/slide7.xml><?xml version="1.0" encoding="utf-8"?>
+<file path=ppt/slides/slide9.xml><?xml version="1.0" encoding="utf-8"?>
 <p:sld xmlns:a="http://schemas.openxmlformats.org/drawingml/2006/main" xmlns:r="http://schemas.openxmlformats.org/officeDocument/2006/relationships" xmlns:p="http://schemas.openxmlformats.org/presentationml/2006/main">
   <p:cSld>
     <p:spTree>
@@ -4553,100 +5284,6 @@
     <p:extLst>
       <p:ext uri="{BB962C8B-B14F-4D97-AF65-F5344CB8AC3E}">
         <p14:creationId xmlns:p14="http://schemas.microsoft.com/office/powerpoint/2010/main" val="1082442366"/>
-      </p:ext>
-    </p:extLst>
-  </p:cSld>
-  <p:clrMapOvr>
-    <a:masterClrMapping/>
-  </p:clrMapOvr>
-</p:sld>
-</file>
-
-<file path=ppt/slides/slide8.xml><?xml version="1.0" encoding="utf-8"?>
-<p:sld xmlns:a="http://schemas.openxmlformats.org/drawingml/2006/main" xmlns:r="http://schemas.openxmlformats.org/officeDocument/2006/relationships" xmlns:p="http://schemas.openxmlformats.org/presentationml/2006/main">
-  <p:cSld>
-    <p:spTree>
-      <p:nvGrpSpPr>
-        <p:cNvPr id="1" name=""/>
-        <p:cNvGrpSpPr/>
-        <p:nvPr/>
-      </p:nvGrpSpPr>
-      <p:grpSpPr>
-        <a:xfrm>
-          <a:off x="0" y="0"/>
-          <a:ext cx="0" cy="0"/>
-          <a:chOff x="0" y="0"/>
-          <a:chExt cx="0" cy="0"/>
-        </a:xfrm>
-      </p:grpSpPr>
-      <p:sp>
-        <p:nvSpPr>
-          <p:cNvPr id="2" name="タイトル 1">
-            <a:extLst>
-              <a:ext uri="{FF2B5EF4-FFF2-40B4-BE49-F238E27FC236}">
-                <a16:creationId xmlns:a16="http://schemas.microsoft.com/office/drawing/2014/main" id="{D05BC586-F069-884B-BE37-565936750D51}"/>
-              </a:ext>
-            </a:extLst>
-          </p:cNvPr>
-          <p:cNvSpPr>
-            <a:spLocks noGrp="1"/>
-          </p:cNvSpPr>
-          <p:nvPr>
-            <p:ph type="title"/>
-          </p:nvPr>
-        </p:nvSpPr>
-        <p:spPr>
-          <a:xfrm>
-            <a:off x="424453" y="365125"/>
-            <a:ext cx="11439598" cy="1325563"/>
-          </a:xfrm>
-        </p:spPr>
-        <p:txBody>
-          <a:bodyPr/>
-          <a:lstStyle/>
-          <a:p>
-            <a:r>
-              <a:rPr lang="en-US" altLang="ja-JP" dirty="0"/>
-              <a:t>Pocket Similarity Search using Multi-Sketches</a:t>
-            </a:r>
-            <a:endParaRPr kumimoji="1" lang="ja-JP" altLang="en-US"/>
-          </a:p>
-        </p:txBody>
-      </p:sp>
-      <p:pic>
-        <p:nvPicPr>
-          <p:cNvPr id="6" name="図 5" descr="テーブル&#10;&#10;自動的に生成された説明">
-            <a:extLst>
-              <a:ext uri="{FF2B5EF4-FFF2-40B4-BE49-F238E27FC236}">
-                <a16:creationId xmlns:a16="http://schemas.microsoft.com/office/drawing/2014/main" id="{492A9A06-5510-934D-B1B6-167A99023F22}"/>
-              </a:ext>
-            </a:extLst>
-          </p:cNvPr>
-          <p:cNvPicPr>
-            <a:picLocks noChangeAspect="1"/>
-          </p:cNvPicPr>
-          <p:nvPr/>
-        </p:nvPicPr>
-        <p:blipFill>
-          <a:blip r:embed="rId2"/>
-          <a:stretch>
-            <a:fillRect/>
-          </a:stretch>
-        </p:blipFill>
-        <p:spPr>
-          <a:xfrm>
-            <a:off x="216107" y="2123681"/>
-            <a:ext cx="11439598" cy="3350510"/>
-          </a:xfrm>
-          <a:prstGeom prst="rect">
-            <a:avLst/>
-          </a:prstGeom>
-        </p:spPr>
-      </p:pic>
-    </p:spTree>
-    <p:extLst>
-      <p:ext uri="{BB962C8B-B14F-4D97-AF65-F5344CB8AC3E}">
-        <p14:creationId xmlns:p14="http://schemas.microsoft.com/office/powerpoint/2010/main" val="3832337321"/>
       </p:ext>
     </p:extLst>
   </p:cSld>

--- a/2021/doc/進捗0928.pptx
+++ b/2021/doc/進捗0928.pptx
@@ -11,10 +11,11 @@
     <p:sldId id="276" r:id="rId5"/>
     <p:sldId id="279" r:id="rId6"/>
     <p:sldId id="280" r:id="rId7"/>
-    <p:sldId id="278" r:id="rId8"/>
-    <p:sldId id="271" r:id="rId9"/>
-    <p:sldId id="272" r:id="rId10"/>
-    <p:sldId id="273" r:id="rId11"/>
+    <p:sldId id="281" r:id="rId8"/>
+    <p:sldId id="278" r:id="rId9"/>
+    <p:sldId id="271" r:id="rId10"/>
+    <p:sldId id="272" r:id="rId11"/>
+    <p:sldId id="273" r:id="rId12"/>
   </p:sldIdLst>
   <p:sldSz cx="12192000" cy="6858000"/>
   <p:notesSz cx="6858000" cy="9144000"/>
@@ -3756,6 +3757,100 @@
       </p:sp>
       <p:pic>
         <p:nvPicPr>
+          <p:cNvPr id="4" name="図 3" descr="グラフィカル ユーザー インターフェイス&#10;&#10;中程度の精度で自動的に生成された説明">
+            <a:extLst>
+              <a:ext uri="{FF2B5EF4-FFF2-40B4-BE49-F238E27FC236}">
+                <a16:creationId xmlns:a16="http://schemas.microsoft.com/office/drawing/2014/main" id="{37E0FB6B-530C-CD40-AF37-E83445370764}"/>
+              </a:ext>
+            </a:extLst>
+          </p:cNvPr>
+          <p:cNvPicPr>
+            <a:picLocks noChangeAspect="1"/>
+          </p:cNvPicPr>
+          <p:nvPr/>
+        </p:nvPicPr>
+        <p:blipFill>
+          <a:blip r:embed="rId2"/>
+          <a:stretch>
+            <a:fillRect/>
+          </a:stretch>
+        </p:blipFill>
+        <p:spPr>
+          <a:xfrm>
+            <a:off x="2346837" y="1426741"/>
+            <a:ext cx="7176304" cy="5278008"/>
+          </a:xfrm>
+          <a:prstGeom prst="rect">
+            <a:avLst/>
+          </a:prstGeom>
+        </p:spPr>
+      </p:pic>
+    </p:spTree>
+    <p:extLst>
+      <p:ext uri="{BB962C8B-B14F-4D97-AF65-F5344CB8AC3E}">
+        <p14:creationId xmlns:p14="http://schemas.microsoft.com/office/powerpoint/2010/main" val="1082442366"/>
+      </p:ext>
+    </p:extLst>
+  </p:cSld>
+  <p:clrMapOvr>
+    <a:masterClrMapping/>
+  </p:clrMapOvr>
+</p:sld>
+</file>
+
+<file path=ppt/slides/slide11.xml><?xml version="1.0" encoding="utf-8"?>
+<p:sld xmlns:a="http://schemas.openxmlformats.org/drawingml/2006/main" xmlns:r="http://schemas.openxmlformats.org/officeDocument/2006/relationships" xmlns:p="http://schemas.openxmlformats.org/presentationml/2006/main">
+  <p:cSld>
+    <p:spTree>
+      <p:nvGrpSpPr>
+        <p:cNvPr id="1" name=""/>
+        <p:cNvGrpSpPr/>
+        <p:nvPr/>
+      </p:nvGrpSpPr>
+      <p:grpSpPr>
+        <a:xfrm>
+          <a:off x="0" y="0"/>
+          <a:ext cx="0" cy="0"/>
+          <a:chOff x="0" y="0"/>
+          <a:chExt cx="0" cy="0"/>
+        </a:xfrm>
+      </p:grpSpPr>
+      <p:sp>
+        <p:nvSpPr>
+          <p:cNvPr id="2" name="タイトル 1">
+            <a:extLst>
+              <a:ext uri="{FF2B5EF4-FFF2-40B4-BE49-F238E27FC236}">
+                <a16:creationId xmlns:a16="http://schemas.microsoft.com/office/drawing/2014/main" id="{D05BC586-F069-884B-BE37-565936750D51}"/>
+              </a:ext>
+            </a:extLst>
+          </p:cNvPr>
+          <p:cNvSpPr>
+            <a:spLocks noGrp="1"/>
+          </p:cNvSpPr>
+          <p:nvPr>
+            <p:ph type="title"/>
+          </p:nvPr>
+        </p:nvSpPr>
+        <p:spPr>
+          <a:xfrm>
+            <a:off x="424453" y="365125"/>
+            <a:ext cx="11439598" cy="1325563"/>
+          </a:xfrm>
+        </p:spPr>
+        <p:txBody>
+          <a:bodyPr/>
+          <a:lstStyle/>
+          <a:p>
+            <a:r>
+              <a:rPr lang="en-US" altLang="ja-JP" dirty="0"/>
+              <a:t>Pocket Similarity Search using Multi-Sketches</a:t>
+            </a:r>
+            <a:endParaRPr kumimoji="1" lang="ja-JP" altLang="en-US"/>
+          </a:p>
+        </p:txBody>
+      </p:sp>
+      <p:pic>
+        <p:nvPicPr>
           <p:cNvPr id="6" name="図 5" descr="テーブル&#10;&#10;自動的に生成された説明">
             <a:extLst>
               <a:ext uri="{FF2B5EF4-FFF2-40B4-BE49-F238E27FC236}">
@@ -4177,7 +4272,7 @@
         <p:spPr>
           <a:xfrm>
             <a:off x="5271206" y="5078661"/>
-            <a:ext cx="543739" cy="369332"/>
+            <a:ext cx="646331" cy="369332"/>
           </a:xfrm>
           <a:prstGeom prst="rect">
             <a:avLst/>
@@ -4191,8 +4286,12 @@
           <a:lstStyle/>
           <a:p>
             <a:r>
-              <a:rPr kumimoji="1" lang="en-US" altLang="ja-JP" b="1" dirty="0"/>
-              <a:t>3Å</a:t>
+              <a:rPr lang="ja-JP" altLang="en-US" b="1"/>
+              <a:t>５</a:t>
+            </a:r>
+            <a:r>
+              <a:rPr kumimoji="1" lang="en-US" altLang="ja-JP" b="1" dirty="0" err="1"/>
+              <a:t>Å</a:t>
             </a:r>
             <a:endParaRPr kumimoji="1" lang="ja-JP" altLang="en-US" b="1"/>
           </a:p>
@@ -4852,7 +4951,7 @@
               <a:t>によるチューニング</a:t>
             </a:r>
             <a:r>
-              <a:rPr kumimoji="1" lang="en-US" altLang="ja-JP"/>
+              <a:rPr kumimoji="1" lang="en-US" altLang="ja-JP" dirty="0"/>
               <a:t>(SVM)</a:t>
             </a:r>
             <a:endParaRPr kumimoji="1" lang="ja-JP" altLang="en-US"/>
@@ -5030,10 +5129,73 @@
           <a:bodyPr/>
           <a:lstStyle/>
           <a:p>
-            <a:endParaRPr kumimoji="1" lang="ja-JP" altLang="en-US"/>
-          </a:p>
-        </p:txBody>
-      </p:sp>
+            <a:r>
+              <a:rPr kumimoji="1" lang="ja-JP" altLang="en-US"/>
+              <a:t>特徴量を追加した際の重要特徴量</a:t>
+            </a:r>
+          </a:p>
+        </p:txBody>
+      </p:sp>
+      <p:pic>
+        <p:nvPicPr>
+          <p:cNvPr id="4" name="図 3" descr="グラフ&#10;&#10;自動的に生成された説明">
+            <a:extLst>
+              <a:ext uri="{FF2B5EF4-FFF2-40B4-BE49-F238E27FC236}">
+                <a16:creationId xmlns:a16="http://schemas.microsoft.com/office/drawing/2014/main" id="{D500EAAF-D6B3-244C-BBF4-8DF08FFFF849}"/>
+              </a:ext>
+            </a:extLst>
+          </p:cNvPr>
+          <p:cNvPicPr>
+            <a:picLocks noChangeAspect="1"/>
+          </p:cNvPicPr>
+          <p:nvPr/>
+        </p:nvPicPr>
+        <p:blipFill>
+          <a:blip r:embed="rId2"/>
+          <a:stretch>
+            <a:fillRect/>
+          </a:stretch>
+        </p:blipFill>
+        <p:spPr>
+          <a:xfrm>
+            <a:off x="5828715" y="1451136"/>
+            <a:ext cx="4245675" cy="5041739"/>
+          </a:xfrm>
+          <a:prstGeom prst="rect">
+            <a:avLst/>
+          </a:prstGeom>
+        </p:spPr>
+      </p:pic>
+      <p:pic>
+        <p:nvPicPr>
+          <p:cNvPr id="6" name="図 5" descr="グラフ&#10;&#10;自動的に生成された説明">
+            <a:extLst>
+              <a:ext uri="{FF2B5EF4-FFF2-40B4-BE49-F238E27FC236}">
+                <a16:creationId xmlns:a16="http://schemas.microsoft.com/office/drawing/2014/main" id="{123AED97-D079-6049-85EB-8AEC9AF14149}"/>
+              </a:ext>
+            </a:extLst>
+          </p:cNvPr>
+          <p:cNvPicPr>
+            <a:picLocks noChangeAspect="1"/>
+          </p:cNvPicPr>
+          <p:nvPr/>
+        </p:nvPicPr>
+        <p:blipFill>
+          <a:blip r:embed="rId3"/>
+          <a:stretch>
+            <a:fillRect/>
+          </a:stretch>
+        </p:blipFill>
+        <p:spPr>
+          <a:xfrm>
+            <a:off x="662676" y="1451136"/>
+            <a:ext cx="4245675" cy="5041739"/>
+          </a:xfrm>
+          <a:prstGeom prst="rect">
+            <a:avLst/>
+          </a:prstGeom>
+        </p:spPr>
+      </p:pic>
     </p:spTree>
     <p:extLst>
       <p:ext uri="{BB962C8B-B14F-4D97-AF65-F5344CB8AC3E}">
@@ -5069,7 +5231,7 @@
           <p:cNvPr id="2" name="タイトル 1">
             <a:extLst>
               <a:ext uri="{FF2B5EF4-FFF2-40B4-BE49-F238E27FC236}">
-                <a16:creationId xmlns:a16="http://schemas.microsoft.com/office/drawing/2014/main" id="{246B606E-7A53-DD46-8CF2-F40D6405A535}"/>
+                <a16:creationId xmlns:a16="http://schemas.microsoft.com/office/drawing/2014/main" id="{5D713ADD-4A62-9941-B957-4A328FA95493}"/>
               </a:ext>
             </a:extLst>
           </p:cNvPr>
@@ -5086,16 +5248,47 @@
           <a:lstStyle/>
           <a:p>
             <a:r>
-              <a:rPr kumimoji="1" lang="ja-JP" altLang="en-US"/>
-              <a:t>補足</a:t>
-            </a:r>
-          </a:p>
-        </p:txBody>
-      </p:sp>
+              <a:rPr lang="ja-JP" altLang="en-US"/>
+              <a:t>特徴量を追加した際の混合行列</a:t>
+            </a:r>
+            <a:endParaRPr kumimoji="1" lang="ja-JP" altLang="en-US"/>
+          </a:p>
+        </p:txBody>
+      </p:sp>
+      <p:pic>
+        <p:nvPicPr>
+          <p:cNvPr id="4" name="図 3" descr="グラフィカル ユーザー インターフェイス, アプリケーション, Teams&#10;&#10;自動的に生成された説明">
+            <a:extLst>
+              <a:ext uri="{FF2B5EF4-FFF2-40B4-BE49-F238E27FC236}">
+                <a16:creationId xmlns:a16="http://schemas.microsoft.com/office/drawing/2014/main" id="{7F49094A-E2BC-3843-9AC1-CAB834E575F2}"/>
+              </a:ext>
+            </a:extLst>
+          </p:cNvPr>
+          <p:cNvPicPr>
+            <a:picLocks noChangeAspect="1"/>
+          </p:cNvPicPr>
+          <p:nvPr/>
+        </p:nvPicPr>
+        <p:blipFill>
+          <a:blip r:embed="rId2"/>
+          <a:stretch>
+            <a:fillRect/>
+          </a:stretch>
+        </p:blipFill>
+        <p:spPr>
+          <a:xfrm>
+            <a:off x="838200" y="2055635"/>
+            <a:ext cx="5585178" cy="4188884"/>
+          </a:xfrm>
+          <a:prstGeom prst="rect">
+            <a:avLst/>
+          </a:prstGeom>
+        </p:spPr>
+      </p:pic>
     </p:spTree>
     <p:extLst>
       <p:ext uri="{BB962C8B-B14F-4D97-AF65-F5344CB8AC3E}">
-        <p14:creationId xmlns:p14="http://schemas.microsoft.com/office/powerpoint/2010/main" val="2246600387"/>
+        <p14:creationId xmlns:p14="http://schemas.microsoft.com/office/powerpoint/2010/main" val="1605271704"/>
       </p:ext>
     </p:extLst>
   </p:cSld>
@@ -5127,7 +5320,7 @@
           <p:cNvPr id="2" name="タイトル 1">
             <a:extLst>
               <a:ext uri="{FF2B5EF4-FFF2-40B4-BE49-F238E27FC236}">
-                <a16:creationId xmlns:a16="http://schemas.microsoft.com/office/drawing/2014/main" id="{DE0C7C4F-2B56-3643-8F87-A8BC080E7ED8}"/>
+                <a16:creationId xmlns:a16="http://schemas.microsoft.com/office/drawing/2014/main" id="{246B606E-7A53-DD46-8CF2-F40D6405A535}"/>
               </a:ext>
             </a:extLst>
           </p:cNvPr>
@@ -5138,58 +5331,22 @@
             <p:ph type="title"/>
           </p:nvPr>
         </p:nvSpPr>
-        <p:spPr>
-          <a:xfrm>
-            <a:off x="244998" y="237804"/>
-            <a:ext cx="11702004" cy="1325563"/>
-          </a:xfrm>
-        </p:spPr>
+        <p:spPr/>
         <p:txBody>
           <a:bodyPr/>
           <a:lstStyle/>
           <a:p>
             <a:r>
-              <a:rPr kumimoji="1" lang="en-US" altLang="ja-JP" dirty="0"/>
-              <a:t>Pocket Similarity Search using Multi-Sketches</a:t>
-            </a:r>
-            <a:endParaRPr kumimoji="1" lang="ja-JP" altLang="en-US"/>
-          </a:p>
-        </p:txBody>
-      </p:sp>
-      <p:pic>
-        <p:nvPicPr>
-          <p:cNvPr id="4" name="図 3" descr="テキスト&#10;&#10;自動的に生成された説明">
-            <a:extLst>
-              <a:ext uri="{FF2B5EF4-FFF2-40B4-BE49-F238E27FC236}">
-                <a16:creationId xmlns:a16="http://schemas.microsoft.com/office/drawing/2014/main" id="{015DFF27-E8D5-AB44-8D40-1A3074C837CF}"/>
-              </a:ext>
-            </a:extLst>
-          </p:cNvPr>
-          <p:cNvPicPr>
-            <a:picLocks noChangeAspect="1"/>
-          </p:cNvPicPr>
-          <p:nvPr/>
-        </p:nvPicPr>
-        <p:blipFill>
-          <a:blip r:embed="rId2"/>
-          <a:stretch>
-            <a:fillRect/>
-          </a:stretch>
-        </p:blipFill>
-        <p:spPr>
-          <a:xfrm>
-            <a:off x="1933764" y="1415842"/>
-            <a:ext cx="7302833" cy="5543757"/>
-          </a:xfrm>
-          <a:prstGeom prst="rect">
-            <a:avLst/>
-          </a:prstGeom>
-        </p:spPr>
-      </p:pic>
+              <a:rPr kumimoji="1" lang="ja-JP" altLang="en-US"/>
+              <a:t>補足</a:t>
+            </a:r>
+          </a:p>
+        </p:txBody>
+      </p:sp>
     </p:spTree>
     <p:extLst>
       <p:ext uri="{BB962C8B-B14F-4D97-AF65-F5344CB8AC3E}">
-        <p14:creationId xmlns:p14="http://schemas.microsoft.com/office/powerpoint/2010/main" val="1137347460"/>
+        <p14:creationId xmlns:p14="http://schemas.microsoft.com/office/powerpoint/2010/main" val="2246600387"/>
       </p:ext>
     </p:extLst>
   </p:cSld>
@@ -5221,7 +5378,7 @@
           <p:cNvPr id="2" name="タイトル 1">
             <a:extLst>
               <a:ext uri="{FF2B5EF4-FFF2-40B4-BE49-F238E27FC236}">
-                <a16:creationId xmlns:a16="http://schemas.microsoft.com/office/drawing/2014/main" id="{D05BC586-F069-884B-BE37-565936750D51}"/>
+                <a16:creationId xmlns:a16="http://schemas.microsoft.com/office/drawing/2014/main" id="{DE0C7C4F-2B56-3643-8F87-A8BC080E7ED8}"/>
               </a:ext>
             </a:extLst>
           </p:cNvPr>
@@ -5234,8 +5391,8 @@
         </p:nvSpPr>
         <p:spPr>
           <a:xfrm>
-            <a:off x="424453" y="365125"/>
-            <a:ext cx="11439598" cy="1325563"/>
+            <a:off x="244998" y="237804"/>
+            <a:ext cx="11702004" cy="1325563"/>
           </a:xfrm>
         </p:spPr>
         <p:txBody>
@@ -5243,7 +5400,7 @@
           <a:lstStyle/>
           <a:p>
             <a:r>
-              <a:rPr lang="en-US" altLang="ja-JP" dirty="0"/>
+              <a:rPr kumimoji="1" lang="en-US" altLang="ja-JP" dirty="0"/>
               <a:t>Pocket Similarity Search using Multi-Sketches</a:t>
             </a:r>
             <a:endParaRPr kumimoji="1" lang="ja-JP" altLang="en-US"/>
@@ -5252,10 +5409,10 @@
       </p:sp>
       <p:pic>
         <p:nvPicPr>
-          <p:cNvPr id="4" name="図 3" descr="グラフィカル ユーザー インターフェイス&#10;&#10;中程度の精度で自動的に生成された説明">
-            <a:extLst>
-              <a:ext uri="{FF2B5EF4-FFF2-40B4-BE49-F238E27FC236}">
-                <a16:creationId xmlns:a16="http://schemas.microsoft.com/office/drawing/2014/main" id="{37E0FB6B-530C-CD40-AF37-E83445370764}"/>
+          <p:cNvPr id="4" name="図 3" descr="テキスト&#10;&#10;自動的に生成された説明">
+            <a:extLst>
+              <a:ext uri="{FF2B5EF4-FFF2-40B4-BE49-F238E27FC236}">
+                <a16:creationId xmlns:a16="http://schemas.microsoft.com/office/drawing/2014/main" id="{015DFF27-E8D5-AB44-8D40-1A3074C837CF}"/>
               </a:ext>
             </a:extLst>
           </p:cNvPr>
@@ -5272,8 +5429,8 @@
         </p:blipFill>
         <p:spPr>
           <a:xfrm>
-            <a:off x="2346837" y="1426741"/>
-            <a:ext cx="7176304" cy="5278008"/>
+            <a:off x="1933764" y="1415842"/>
+            <a:ext cx="7302833" cy="5543757"/>
           </a:xfrm>
           <a:prstGeom prst="rect">
             <a:avLst/>
@@ -5283,7 +5440,7 @@
     </p:spTree>
     <p:extLst>
       <p:ext uri="{BB962C8B-B14F-4D97-AF65-F5344CB8AC3E}">
-        <p14:creationId xmlns:p14="http://schemas.microsoft.com/office/powerpoint/2010/main" val="1082442366"/>
+        <p14:creationId xmlns:p14="http://schemas.microsoft.com/office/powerpoint/2010/main" val="1137347460"/>
       </p:ext>
     </p:extLst>
   </p:cSld>
